--- a/MFC 개발 환경 설정.pptx
+++ b/MFC 개발 환경 설정.pptx
@@ -7,6 +7,9 @@
   <p:sldIdLst>
     <p:sldId id="261" r:id="rId2"/>
     <p:sldId id="262" r:id="rId3"/>
+    <p:sldId id="263" r:id="rId4"/>
+    <p:sldId id="264" r:id="rId5"/>
+    <p:sldId id="265" r:id="rId6"/>
   </p:sldIdLst>
   <p:sldSz cx="12192000" cy="6858000"/>
   <p:notesSz cx="6858000" cy="9144000"/>
@@ -3190,6 +3193,278 @@
 </p:sld>
 </file>
 
+<file path=ppt/slides/slide3.xml><?xml version="1.0" encoding="utf-8"?>
+<p:sld xmlns:a="http://schemas.openxmlformats.org/drawingml/2006/main" xmlns:r="http://schemas.openxmlformats.org/officeDocument/2006/relationships" xmlns:p="http://schemas.openxmlformats.org/presentationml/2006/main">
+  <p:cSld>
+    <p:spTree>
+      <p:nvGrpSpPr>
+        <p:cNvPr id="1" name=""/>
+        <p:cNvGrpSpPr/>
+        <p:nvPr/>
+      </p:nvGrpSpPr>
+      <p:grpSpPr>
+        <a:xfrm>
+          <a:off x="0" y="0"/>
+          <a:ext cx="0" cy="0"/>
+          <a:chOff x="0" y="0"/>
+          <a:chExt cx="0" cy="0"/>
+        </a:xfrm>
+      </p:grpSpPr>
+      <p:pic>
+        <p:nvPicPr>
+          <p:cNvPr id="7" name="그림 6">
+            <a:extLst>
+              <a:ext uri="{FF2B5EF4-FFF2-40B4-BE49-F238E27FC236}">
+                <a16:creationId xmlns:a16="http://schemas.microsoft.com/office/drawing/2014/main" id="{3D567B2E-7AA7-26EB-F295-1E55E73DFBBB}"/>
+              </a:ext>
+            </a:extLst>
+          </p:cNvPr>
+          <p:cNvPicPr>
+            <a:picLocks noChangeAspect="1"/>
+          </p:cNvPicPr>
+          <p:nvPr/>
+        </p:nvPicPr>
+        <p:blipFill>
+          <a:blip r:embed="rId2"/>
+          <a:stretch>
+            <a:fillRect/>
+          </a:stretch>
+        </p:blipFill>
+        <p:spPr>
+          <a:xfrm>
+            <a:off x="1409046" y="361522"/>
+            <a:ext cx="9373908" cy="6134956"/>
+          </a:xfrm>
+          <a:prstGeom prst="rect">
+            <a:avLst/>
+          </a:prstGeom>
+        </p:spPr>
+      </p:pic>
+      <p:sp>
+        <p:nvSpPr>
+          <p:cNvPr id="8" name="직사각형 7">
+            <a:extLst>
+              <a:ext uri="{FF2B5EF4-FFF2-40B4-BE49-F238E27FC236}">
+                <a16:creationId xmlns:a16="http://schemas.microsoft.com/office/drawing/2014/main" id="{83D851E6-2355-8878-A87D-1E178DF4BD69}"/>
+              </a:ext>
+            </a:extLst>
+          </p:cNvPr>
+          <p:cNvSpPr/>
+          <p:nvPr/>
+        </p:nvSpPr>
+        <p:spPr>
+          <a:xfrm>
+            <a:off x="5366326" y="1016000"/>
+            <a:ext cx="5416627" cy="1293091"/>
+          </a:xfrm>
+          <a:prstGeom prst="rect">
+            <a:avLst/>
+          </a:prstGeom>
+          <a:noFill/>
+          <a:ln w="76200"/>
+        </p:spPr>
+        <p:style>
+          <a:lnRef idx="2">
+            <a:schemeClr val="accent2"/>
+          </a:lnRef>
+          <a:fillRef idx="1">
+            <a:schemeClr val="lt1"/>
+          </a:fillRef>
+          <a:effectRef idx="0">
+            <a:schemeClr val="accent2"/>
+          </a:effectRef>
+          <a:fontRef idx="minor">
+            <a:schemeClr val="dk1"/>
+          </a:fontRef>
+        </p:style>
+        <p:txBody>
+          <a:bodyPr rtlCol="0" anchor="ctr"/>
+          <a:lstStyle/>
+          <a:p>
+            <a:pPr algn="ctr"/>
+            <a:endParaRPr lang="ko-KR" altLang="en-US"/>
+          </a:p>
+        </p:txBody>
+      </p:sp>
+    </p:spTree>
+    <p:extLst>
+      <p:ext uri="{BB962C8B-B14F-4D97-AF65-F5344CB8AC3E}">
+        <p14:creationId xmlns:p14="http://schemas.microsoft.com/office/powerpoint/2010/main" val="389296563"/>
+      </p:ext>
+    </p:extLst>
+  </p:cSld>
+  <p:clrMapOvr>
+    <a:masterClrMapping/>
+  </p:clrMapOvr>
+</p:sld>
+</file>
+
+<file path=ppt/slides/slide4.xml><?xml version="1.0" encoding="utf-8"?>
+<p:sld xmlns:a="http://schemas.openxmlformats.org/drawingml/2006/main" xmlns:r="http://schemas.openxmlformats.org/officeDocument/2006/relationships" xmlns:p="http://schemas.openxmlformats.org/presentationml/2006/main">
+  <p:cSld>
+    <p:spTree>
+      <p:nvGrpSpPr>
+        <p:cNvPr id="1" name=""/>
+        <p:cNvGrpSpPr/>
+        <p:nvPr/>
+      </p:nvGrpSpPr>
+      <p:grpSpPr>
+        <a:xfrm>
+          <a:off x="0" y="0"/>
+          <a:ext cx="0" cy="0"/>
+          <a:chOff x="0" y="0"/>
+          <a:chExt cx="0" cy="0"/>
+        </a:xfrm>
+      </p:grpSpPr>
+      <p:pic>
+        <p:nvPicPr>
+          <p:cNvPr id="5" name="그림 4">
+            <a:extLst>
+              <a:ext uri="{FF2B5EF4-FFF2-40B4-BE49-F238E27FC236}">
+                <a16:creationId xmlns:a16="http://schemas.microsoft.com/office/drawing/2014/main" id="{3BCC6508-D206-1BD2-EAC0-E709543D40E2}"/>
+              </a:ext>
+            </a:extLst>
+          </p:cNvPr>
+          <p:cNvPicPr>
+            <a:picLocks noChangeAspect="1"/>
+          </p:cNvPicPr>
+          <p:nvPr/>
+        </p:nvPicPr>
+        <p:blipFill>
+          <a:blip r:embed="rId2"/>
+          <a:stretch>
+            <a:fillRect/>
+          </a:stretch>
+        </p:blipFill>
+        <p:spPr>
+          <a:xfrm>
+            <a:off x="1370940" y="390101"/>
+            <a:ext cx="9450119" cy="6077798"/>
+          </a:xfrm>
+          <a:prstGeom prst="rect">
+            <a:avLst/>
+          </a:prstGeom>
+        </p:spPr>
+      </p:pic>
+    </p:spTree>
+    <p:extLst>
+      <p:ext uri="{BB962C8B-B14F-4D97-AF65-F5344CB8AC3E}">
+        <p14:creationId xmlns:p14="http://schemas.microsoft.com/office/powerpoint/2010/main" val="4194165711"/>
+      </p:ext>
+    </p:extLst>
+  </p:cSld>
+  <p:clrMapOvr>
+    <a:masterClrMapping/>
+  </p:clrMapOvr>
+</p:sld>
+</file>
+
+<file path=ppt/slides/slide5.xml><?xml version="1.0" encoding="utf-8"?>
+<p:sld xmlns:a="http://schemas.openxmlformats.org/drawingml/2006/main" xmlns:r="http://schemas.openxmlformats.org/officeDocument/2006/relationships" xmlns:p="http://schemas.openxmlformats.org/presentationml/2006/main">
+  <p:cSld>
+    <p:spTree>
+      <p:nvGrpSpPr>
+        <p:cNvPr id="1" name=""/>
+        <p:cNvGrpSpPr/>
+        <p:nvPr/>
+      </p:nvGrpSpPr>
+      <p:grpSpPr>
+        <a:xfrm>
+          <a:off x="0" y="0"/>
+          <a:ext cx="0" cy="0"/>
+          <a:chOff x="0" y="0"/>
+          <a:chExt cx="0" cy="0"/>
+        </a:xfrm>
+      </p:grpSpPr>
+      <p:pic>
+        <p:nvPicPr>
+          <p:cNvPr id="5" name="그림 4">
+            <a:extLst>
+              <a:ext uri="{FF2B5EF4-FFF2-40B4-BE49-F238E27FC236}">
+                <a16:creationId xmlns:a16="http://schemas.microsoft.com/office/drawing/2014/main" id="{7B4EC3F4-7FCC-85F2-089D-AE18A2E62DDA}"/>
+              </a:ext>
+            </a:extLst>
+          </p:cNvPr>
+          <p:cNvPicPr>
+            <a:picLocks noChangeAspect="1"/>
+          </p:cNvPicPr>
+          <p:nvPr/>
+        </p:nvPicPr>
+        <p:blipFill>
+          <a:blip r:embed="rId2"/>
+          <a:stretch>
+            <a:fillRect/>
+          </a:stretch>
+        </p:blipFill>
+        <p:spPr>
+          <a:xfrm>
+            <a:off x="2223547" y="585390"/>
+            <a:ext cx="7744906" cy="5687219"/>
+          </a:xfrm>
+          <a:prstGeom prst="rect">
+            <a:avLst/>
+          </a:prstGeom>
+        </p:spPr>
+      </p:pic>
+      <p:sp>
+        <p:nvSpPr>
+          <p:cNvPr id="6" name="직사각형 5">
+            <a:extLst>
+              <a:ext uri="{FF2B5EF4-FFF2-40B4-BE49-F238E27FC236}">
+                <a16:creationId xmlns:a16="http://schemas.microsoft.com/office/drawing/2014/main" id="{80A74800-D473-B130-E65C-F7737DB64658}"/>
+              </a:ext>
+            </a:extLst>
+          </p:cNvPr>
+          <p:cNvSpPr/>
+          <p:nvPr/>
+        </p:nvSpPr>
+        <p:spPr>
+          <a:xfrm>
+            <a:off x="4313382" y="1874983"/>
+            <a:ext cx="2414807" cy="360218"/>
+          </a:xfrm>
+          <a:prstGeom prst="rect">
+            <a:avLst/>
+          </a:prstGeom>
+          <a:noFill/>
+          <a:ln w="76200"/>
+        </p:spPr>
+        <p:style>
+          <a:lnRef idx="2">
+            <a:schemeClr val="accent2"/>
+          </a:lnRef>
+          <a:fillRef idx="1">
+            <a:schemeClr val="lt1"/>
+          </a:fillRef>
+          <a:effectRef idx="0">
+            <a:schemeClr val="accent2"/>
+          </a:effectRef>
+          <a:fontRef idx="minor">
+            <a:schemeClr val="dk1"/>
+          </a:fontRef>
+        </p:style>
+        <p:txBody>
+          <a:bodyPr rtlCol="0" anchor="ctr"/>
+          <a:lstStyle/>
+          <a:p>
+            <a:pPr algn="ctr"/>
+            <a:endParaRPr lang="ko-KR" altLang="en-US"/>
+          </a:p>
+        </p:txBody>
+      </p:sp>
+    </p:spTree>
+    <p:extLst>
+      <p:ext uri="{BB962C8B-B14F-4D97-AF65-F5344CB8AC3E}">
+        <p14:creationId xmlns:p14="http://schemas.microsoft.com/office/powerpoint/2010/main" val="972976974"/>
+      </p:ext>
+    </p:extLst>
+  </p:cSld>
+  <p:clrMapOvr>
+    <a:masterClrMapping/>
+  </p:clrMapOvr>
+</p:sld>
+</file>
+
 <file path=ppt/theme/theme1.xml><?xml version="1.0" encoding="utf-8"?>
 <a:theme xmlns:a="http://schemas.openxmlformats.org/drawingml/2006/main" name="Office 테마">
   <a:themeElements>

--- a/MFC 개발 환경 설정.pptx
+++ b/MFC 개발 환경 설정.pptx
@@ -10,6 +10,7 @@
     <p:sldId id="263" r:id="rId4"/>
     <p:sldId id="264" r:id="rId5"/>
     <p:sldId id="265" r:id="rId6"/>
+    <p:sldId id="266" r:id="rId7"/>
   </p:sldIdLst>
   <p:sldSz cx="12192000" cy="6858000"/>
   <p:notesSz cx="6858000" cy="9144000"/>
@@ -3465,6 +3466,112 @@
 </p:sld>
 </file>
 
+<file path=ppt/slides/slide6.xml><?xml version="1.0" encoding="utf-8"?>
+<p:sld xmlns:a="http://schemas.openxmlformats.org/drawingml/2006/main" xmlns:r="http://schemas.openxmlformats.org/officeDocument/2006/relationships" xmlns:p="http://schemas.openxmlformats.org/presentationml/2006/main">
+  <p:cSld>
+    <p:spTree>
+      <p:nvGrpSpPr>
+        <p:cNvPr id="1" name=""/>
+        <p:cNvGrpSpPr/>
+        <p:nvPr/>
+      </p:nvGrpSpPr>
+      <p:grpSpPr>
+        <a:xfrm>
+          <a:off x="0" y="0"/>
+          <a:ext cx="0" cy="0"/>
+          <a:chOff x="0" y="0"/>
+          <a:chExt cx="0" cy="0"/>
+        </a:xfrm>
+      </p:grpSpPr>
+      <p:pic>
+        <p:nvPicPr>
+          <p:cNvPr id="5" name="그림 4">
+            <a:extLst>
+              <a:ext uri="{FF2B5EF4-FFF2-40B4-BE49-F238E27FC236}">
+                <a16:creationId xmlns:a16="http://schemas.microsoft.com/office/drawing/2014/main" id="{8F950676-5C35-108E-D022-93D46364746E}"/>
+              </a:ext>
+            </a:extLst>
+          </p:cNvPr>
+          <p:cNvPicPr>
+            <a:picLocks noChangeAspect="1"/>
+          </p:cNvPicPr>
+          <p:nvPr/>
+        </p:nvPicPr>
+        <p:blipFill>
+          <a:blip r:embed="rId2"/>
+          <a:stretch>
+            <a:fillRect/>
+          </a:stretch>
+        </p:blipFill>
+        <p:spPr>
+          <a:xfrm>
+            <a:off x="0" y="800241"/>
+            <a:ext cx="12192000" cy="5257517"/>
+          </a:xfrm>
+          <a:prstGeom prst="rect">
+            <a:avLst/>
+          </a:prstGeom>
+        </p:spPr>
+      </p:pic>
+      <p:sp>
+        <p:nvSpPr>
+          <p:cNvPr id="6" name="직사각형 5">
+            <a:extLst>
+              <a:ext uri="{FF2B5EF4-FFF2-40B4-BE49-F238E27FC236}">
+                <a16:creationId xmlns:a16="http://schemas.microsoft.com/office/drawing/2014/main" id="{9E795B6A-10FC-EE03-AA4A-DB682474306B}"/>
+              </a:ext>
+            </a:extLst>
+          </p:cNvPr>
+          <p:cNvSpPr/>
+          <p:nvPr/>
+        </p:nvSpPr>
+        <p:spPr>
+          <a:xfrm>
+            <a:off x="794327" y="3629892"/>
+            <a:ext cx="2414807" cy="360218"/>
+          </a:xfrm>
+          <a:prstGeom prst="rect">
+            <a:avLst/>
+          </a:prstGeom>
+          <a:noFill/>
+          <a:ln w="76200"/>
+        </p:spPr>
+        <p:style>
+          <a:lnRef idx="2">
+            <a:schemeClr val="accent2"/>
+          </a:lnRef>
+          <a:fillRef idx="1">
+            <a:schemeClr val="lt1"/>
+          </a:fillRef>
+          <a:effectRef idx="0">
+            <a:schemeClr val="accent2"/>
+          </a:effectRef>
+          <a:fontRef idx="minor">
+            <a:schemeClr val="dk1"/>
+          </a:fontRef>
+        </p:style>
+        <p:txBody>
+          <a:bodyPr rtlCol="0" anchor="ctr"/>
+          <a:lstStyle/>
+          <a:p>
+            <a:pPr algn="ctr"/>
+            <a:endParaRPr lang="ko-KR" altLang="en-US"/>
+          </a:p>
+        </p:txBody>
+      </p:sp>
+    </p:spTree>
+    <p:extLst>
+      <p:ext uri="{BB962C8B-B14F-4D97-AF65-F5344CB8AC3E}">
+        <p14:creationId xmlns:p14="http://schemas.microsoft.com/office/powerpoint/2010/main" val="2416847486"/>
+      </p:ext>
+    </p:extLst>
+  </p:cSld>
+  <p:clrMapOvr>
+    <a:masterClrMapping/>
+  </p:clrMapOvr>
+</p:sld>
+</file>
+
 <file path=ppt/theme/theme1.xml><?xml version="1.0" encoding="utf-8"?>
 <a:theme xmlns:a="http://schemas.openxmlformats.org/drawingml/2006/main" name="Office 테마">
   <a:themeElements>
